--- a/wd/线性dp与区间dp.pptx
+++ b/wd/线性dp与区间dp.pptx
@@ -1,16 +1,19 @@
 
 <file path=ppt/presentation.xml><?xml version="1.0" encoding="utf-8"?>
-<p:presentation xmlns:a="http://schemas.openxmlformats.org/drawingml/2006/main" xmlns:r="http://schemas.openxmlformats.org/officeDocument/2006/relationships" xmlns:p="http://schemas.openxmlformats.org/presentationml/2006/main" saveSubsetFonts="1">
+<p:presentation xmlns:a="http://schemas.openxmlformats.org/drawingml/2006/main" xmlns:r="http://schemas.openxmlformats.org/officeDocument/2006/relationships" xmlns:p="http://schemas.openxmlformats.org/presentationml/2006/main">
   <p:sldMasterIdLst>
-    <p:sldMasterId id="2147483660" r:id="rId1"/>
+    <p:sldMasterId id="2147483648" r:id="rId1"/>
   </p:sldMasterIdLst>
   <p:sldIdLst>
-    <p:sldId id="256" r:id="rId2"/>
-    <p:sldId id="257" r:id="rId3"/>
-    <p:sldId id="309" r:id="rId4"/>
+    <p:sldId id="256" r:id="rId3"/>
+    <p:sldId id="257" r:id="rId4"/>
+    <p:sldId id="309" r:id="rId5"/>
   </p:sldIdLst>
   <p:sldSz cx="12192000" cy="6858000"/>
   <p:notesSz cx="6858000" cy="9144000"/>
+  <p:custDataLst>
+    <p:tags r:id="rId9"/>
+  </p:custDataLst>
   <p:defaultTextStyle>
     <a:defPPr>
       <a:defRPr lang="zh-CN"/>
@@ -118,15 +121,12 @@
         </p14:section>
       </p14:sectionLst>
     </p:ext>
-    <p:ext uri="{EFAFB233-063F-42B5-8137-9DF3F51BA10A}">
-      <p15:sldGuideLst xmlns:p15="http://schemas.microsoft.com/office/powerpoint/2012/main"/>
-    </p:ext>
   </p:extLst>
 </p:presentation>
 </file>
 
 <file path=ppt/slideLayouts/slideLayout1.xml><?xml version="1.0" encoding="utf-8"?>
-<p:sldLayout xmlns:a="http://schemas.openxmlformats.org/drawingml/2006/main" xmlns:r="http://schemas.openxmlformats.org/officeDocument/2006/relationships" xmlns:p="http://schemas.openxmlformats.org/presentationml/2006/main" showMasterSp="0" type="title" preserve="1">
+<p:sldLayout xmlns:a="http://schemas.openxmlformats.org/drawingml/2006/main" xmlns:r="http://schemas.openxmlformats.org/officeDocument/2006/relationships" xmlns:p="http://schemas.openxmlformats.org/presentationml/2006/main" type="title" preserve="1" showMasterSp="0">
   <p:cSld name="标题幻灯片">
     <p:spTree>
       <p:nvGrpSpPr>
@@ -268,7 +268,6 @@
           <a:p>
             <a:fld id="{BB7D2888-8C8F-4C2C-AA0A-D0307A3F1B58}" type="datetimeFigureOut">
               <a:rPr lang="zh-CN" altLang="en-US" smtClean="0"/>
-              <a:t>2024/7/9</a:t>
             </a:fld>
             <a:endParaRPr lang="zh-CN" altLang="en-US"/>
           </a:p>
@@ -320,7 +319,6 @@
           <a:p>
             <a:fld id="{6846DCD3-E8B7-40AC-B2BA-441C30453554}" type="slidenum">
               <a:rPr lang="zh-CN" altLang="en-US" smtClean="0"/>
-              <a:t>‹#›</a:t>
             </a:fld>
             <a:endParaRPr lang="zh-CN" altLang="en-US"/>
           </a:p>
@@ -511,11 +509,6 @@
         </p:txBody>
       </p:sp>
     </p:spTree>
-    <p:extLst>
-      <p:ext uri="{BB962C8B-B14F-4D97-AF65-F5344CB8AC3E}">
-        <p14:creationId xmlns:p14="http://schemas.microsoft.com/office/powerpoint/2010/main" val="3619130651"/>
-      </p:ext>
-    </p:extLst>
   </p:cSld>
   <p:clrMapOvr>
     <a:masterClrMapping/>
@@ -583,6 +576,7 @@
               <a:rPr lang="zh-CN" altLang="en-US"/>
               <a:t>单击此处编辑母版文本样式</a:t>
             </a:r>
+            <a:endParaRPr lang="zh-CN" altLang="en-US"/>
           </a:p>
           <a:p>
             <a:pPr lvl="1" eaLnBrk="1" latinLnBrk="0" hangingPunct="1"/>
@@ -590,6 +584,7 @@
               <a:rPr lang="zh-CN" altLang="en-US"/>
               <a:t>第二级</a:t>
             </a:r>
+            <a:endParaRPr lang="zh-CN" altLang="en-US"/>
           </a:p>
           <a:p>
             <a:pPr lvl="2" eaLnBrk="1" latinLnBrk="0" hangingPunct="1"/>
@@ -597,6 +592,7 @@
               <a:rPr lang="zh-CN" altLang="en-US"/>
               <a:t>第三级</a:t>
             </a:r>
+            <a:endParaRPr lang="zh-CN" altLang="en-US"/>
           </a:p>
           <a:p>
             <a:pPr lvl="3" eaLnBrk="1" latinLnBrk="0" hangingPunct="1"/>
@@ -604,6 +600,7 @@
               <a:rPr lang="zh-CN" altLang="en-US"/>
               <a:t>第四级</a:t>
             </a:r>
+            <a:endParaRPr lang="zh-CN" altLang="en-US"/>
           </a:p>
           <a:p>
             <a:pPr lvl="4" eaLnBrk="1" latinLnBrk="0" hangingPunct="1"/>
@@ -632,7 +629,6 @@
           <a:p>
             <a:fld id="{BB7D2888-8C8F-4C2C-AA0A-D0307A3F1B58}" type="datetimeFigureOut">
               <a:rPr lang="zh-CN" altLang="en-US" smtClean="0"/>
-              <a:t>2024/7/9</a:t>
             </a:fld>
             <a:endParaRPr lang="zh-CN" altLang="en-US"/>
           </a:p>
@@ -674,18 +670,12 @@
           <a:p>
             <a:fld id="{6846DCD3-E8B7-40AC-B2BA-441C30453554}" type="slidenum">
               <a:rPr lang="zh-CN" altLang="en-US" smtClean="0"/>
-              <a:t>‹#›</a:t>
             </a:fld>
             <a:endParaRPr lang="zh-CN" altLang="en-US"/>
           </a:p>
         </p:txBody>
       </p:sp>
     </p:spTree>
-    <p:extLst>
-      <p:ext uri="{BB962C8B-B14F-4D97-AF65-F5344CB8AC3E}">
-        <p14:creationId xmlns:p14="http://schemas.microsoft.com/office/powerpoint/2010/main" val="3072031902"/>
-      </p:ext>
-    </p:extLst>
   </p:cSld>
   <p:clrMapOvr>
     <a:masterClrMapping/>
@@ -694,7 +684,7 @@
 </file>
 
 <file path=ppt/slideLayouts/slideLayout11.xml><?xml version="1.0" encoding="utf-8"?>
-<p:sldLayout xmlns:a="http://schemas.openxmlformats.org/drawingml/2006/main" xmlns:r="http://schemas.openxmlformats.org/officeDocument/2006/relationships" xmlns:p="http://schemas.openxmlformats.org/presentationml/2006/main" showMasterSp="0" type="vertTitleAndTx" preserve="1">
+<p:sldLayout xmlns:a="http://schemas.openxmlformats.org/drawingml/2006/main" xmlns:r="http://schemas.openxmlformats.org/officeDocument/2006/relationships" xmlns:p="http://schemas.openxmlformats.org/presentationml/2006/main" type="vertTitleAndTx" preserve="1" showMasterSp="0">
   <p:cSld name="垂直排列标题与文本">
     <p:spTree>
       <p:nvGrpSpPr>
@@ -763,6 +753,7 @@
               <a:rPr lang="zh-CN" altLang="en-US"/>
               <a:t>单击此处编辑母版文本样式</a:t>
             </a:r>
+            <a:endParaRPr lang="zh-CN" altLang="en-US"/>
           </a:p>
           <a:p>
             <a:pPr lvl="1" eaLnBrk="1" latinLnBrk="0" hangingPunct="1"/>
@@ -770,6 +761,7 @@
               <a:rPr lang="zh-CN" altLang="en-US"/>
               <a:t>第二级</a:t>
             </a:r>
+            <a:endParaRPr lang="zh-CN" altLang="en-US"/>
           </a:p>
           <a:p>
             <a:pPr lvl="2" eaLnBrk="1" latinLnBrk="0" hangingPunct="1"/>
@@ -777,6 +769,7 @@
               <a:rPr lang="zh-CN" altLang="en-US"/>
               <a:t>第三级</a:t>
             </a:r>
+            <a:endParaRPr lang="zh-CN" altLang="en-US"/>
           </a:p>
           <a:p>
             <a:pPr lvl="3" eaLnBrk="1" latinLnBrk="0" hangingPunct="1"/>
@@ -784,6 +777,7 @@
               <a:rPr lang="zh-CN" altLang="en-US"/>
               <a:t>第四级</a:t>
             </a:r>
+            <a:endParaRPr lang="zh-CN" altLang="en-US"/>
           </a:p>
           <a:p>
             <a:pPr lvl="4" eaLnBrk="1" latinLnBrk="0" hangingPunct="1"/>
@@ -812,7 +806,6 @@
           <a:p>
             <a:fld id="{BB7D2888-8C8F-4C2C-AA0A-D0307A3F1B58}" type="datetimeFigureOut">
               <a:rPr lang="zh-CN" altLang="en-US" smtClean="0"/>
-              <a:t>2024/7/9</a:t>
             </a:fld>
             <a:endParaRPr lang="zh-CN" altLang="en-US"/>
           </a:p>
@@ -854,7 +847,6 @@
           <a:p>
             <a:fld id="{6846DCD3-E8B7-40AC-B2BA-441C30453554}" type="slidenum">
               <a:rPr lang="zh-CN" altLang="en-US" smtClean="0"/>
-              <a:t>‹#›</a:t>
             </a:fld>
             <a:endParaRPr lang="zh-CN" altLang="en-US"/>
           </a:p>
@@ -983,11 +975,6 @@
         </p:txBody>
       </p:sp>
     </p:spTree>
-    <p:extLst>
-      <p:ext uri="{BB962C8B-B14F-4D97-AF65-F5344CB8AC3E}">
-        <p14:creationId xmlns:p14="http://schemas.microsoft.com/office/powerpoint/2010/main" val="2268118882"/>
-      </p:ext>
-    </p:extLst>
   </p:cSld>
   <p:clrMapOvr>
     <a:masterClrMapping/>
@@ -1052,7 +1039,6 @@
           <a:p>
             <a:fld id="{BB7D2888-8C8F-4C2C-AA0A-D0307A3F1B58}" type="datetimeFigureOut">
               <a:rPr lang="zh-CN" altLang="en-US" smtClean="0"/>
-              <a:t>2024/7/9</a:t>
             </a:fld>
             <a:endParaRPr lang="zh-CN" altLang="en-US"/>
           </a:p>
@@ -1094,7 +1080,6 @@
           <a:p>
             <a:fld id="{6846DCD3-E8B7-40AC-B2BA-441C30453554}" type="slidenum">
               <a:rPr lang="zh-CN" altLang="en-US" smtClean="0"/>
-              <a:t>‹#›</a:t>
             </a:fld>
             <a:endParaRPr lang="zh-CN" altLang="en-US"/>
           </a:p>
@@ -1125,6 +1110,7 @@
               <a:rPr lang="zh-CN" altLang="en-US"/>
               <a:t>单击此处编辑母版文本样式</a:t>
             </a:r>
+            <a:endParaRPr lang="zh-CN" altLang="en-US"/>
           </a:p>
           <a:p>
             <a:pPr lvl="1" eaLnBrk="1" latinLnBrk="0" hangingPunct="1"/>
@@ -1132,6 +1118,7 @@
               <a:rPr lang="zh-CN" altLang="en-US"/>
               <a:t>第二级</a:t>
             </a:r>
+            <a:endParaRPr lang="zh-CN" altLang="en-US"/>
           </a:p>
           <a:p>
             <a:pPr lvl="2" eaLnBrk="1" latinLnBrk="0" hangingPunct="1"/>
@@ -1139,6 +1126,7 @@
               <a:rPr lang="zh-CN" altLang="en-US"/>
               <a:t>第三级</a:t>
             </a:r>
+            <a:endParaRPr lang="zh-CN" altLang="en-US"/>
           </a:p>
           <a:p>
             <a:pPr lvl="3" eaLnBrk="1" latinLnBrk="0" hangingPunct="1"/>
@@ -1146,6 +1134,7 @@
               <a:rPr lang="zh-CN" altLang="en-US"/>
               <a:t>第四级</a:t>
             </a:r>
+            <a:endParaRPr lang="zh-CN" altLang="en-US"/>
           </a:p>
           <a:p>
             <a:pPr lvl="4" eaLnBrk="1" latinLnBrk="0" hangingPunct="1"/>
@@ -1158,11 +1147,6 @@
         </p:txBody>
       </p:sp>
     </p:spTree>
-    <p:extLst>
-      <p:ext uri="{BB962C8B-B14F-4D97-AF65-F5344CB8AC3E}">
-        <p14:creationId xmlns:p14="http://schemas.microsoft.com/office/powerpoint/2010/main" val="2090874376"/>
-      </p:ext>
-    </p:extLst>
   </p:cSld>
   <p:clrMapOvr>
     <a:masterClrMapping/>
@@ -1171,7 +1155,7 @@
 </file>
 
 <file path=ppt/slideLayouts/slideLayout3.xml><?xml version="1.0" encoding="utf-8"?>
-<p:sldLayout xmlns:a="http://schemas.openxmlformats.org/drawingml/2006/main" xmlns:r="http://schemas.openxmlformats.org/officeDocument/2006/relationships" xmlns:p="http://schemas.openxmlformats.org/presentationml/2006/main" showMasterSp="0" type="secHead" preserve="1">
+<p:sldLayout xmlns:a="http://schemas.openxmlformats.org/drawingml/2006/main" xmlns:r="http://schemas.openxmlformats.org/officeDocument/2006/relationships" xmlns:p="http://schemas.openxmlformats.org/presentationml/2006/main" type="secHead" preserve="1" showMasterSp="0">
   <p:cSld name="节标题">
     <p:bg>
       <p:bgRef idx="1001">
@@ -1301,6 +1285,7 @@
               <a:rPr kumimoji="0" lang="zh-CN" altLang="en-US"/>
               <a:t>单击此处编辑母版文本样式</a:t>
             </a:r>
+            <a:endParaRPr kumimoji="0" lang="zh-CN" altLang="en-US"/>
           </a:p>
         </p:txBody>
       </p:sp>
@@ -1326,7 +1311,6 @@
           <a:p>
             <a:fld id="{BB7D2888-8C8F-4C2C-AA0A-D0307A3F1B58}" type="datetimeFigureOut">
               <a:rPr lang="zh-CN" altLang="en-US" smtClean="0"/>
-              <a:t>2024/7/9</a:t>
             </a:fld>
             <a:endParaRPr lang="zh-CN" altLang="en-US"/>
           </a:p>
@@ -1378,7 +1362,6 @@
           <a:p>
             <a:fld id="{6846DCD3-E8B7-40AC-B2BA-441C30453554}" type="slidenum">
               <a:rPr lang="zh-CN" altLang="en-US" smtClean="0"/>
-              <a:t>‹#›</a:t>
             </a:fld>
             <a:endParaRPr lang="zh-CN" altLang="en-US"/>
           </a:p>
@@ -1477,11 +1460,6 @@
         </p:txBody>
       </p:sp>
     </p:spTree>
-    <p:extLst>
-      <p:ext uri="{BB962C8B-B14F-4D97-AF65-F5344CB8AC3E}">
-        <p14:creationId xmlns:p14="http://schemas.microsoft.com/office/powerpoint/2010/main" val="3103755074"/>
-      </p:ext>
-    </p:extLst>
   </p:cSld>
   <p:clrMapOvr>
     <a:overrideClrMapping bg1="dk1" tx1="lt1" bg2="dk2" tx2="lt2" accent1="accent1" accent2="accent2" accent3="accent3" accent4="accent4" accent5="accent5" accent6="accent6" hlink="hlink" folHlink="folHlink"/>
@@ -1551,7 +1529,6 @@
           <a:p>
             <a:fld id="{BB7D2888-8C8F-4C2C-AA0A-D0307A3F1B58}" type="datetimeFigureOut">
               <a:rPr lang="zh-CN" altLang="en-US" smtClean="0"/>
-              <a:t>2024/7/9</a:t>
             </a:fld>
             <a:endParaRPr lang="zh-CN" altLang="en-US"/>
           </a:p>
@@ -1593,7 +1570,6 @@
           <a:p>
             <a:fld id="{6846DCD3-E8B7-40AC-B2BA-441C30453554}" type="slidenum">
               <a:rPr lang="zh-CN" altLang="en-US" smtClean="0"/>
-              <a:t>‹#›</a:t>
             </a:fld>
             <a:endParaRPr lang="zh-CN" altLang="en-US"/>
           </a:p>
@@ -1624,6 +1600,7 @@
               <a:rPr lang="zh-CN" altLang="en-US"/>
               <a:t>单击此处编辑母版文本样式</a:t>
             </a:r>
+            <a:endParaRPr lang="zh-CN" altLang="en-US"/>
           </a:p>
           <a:p>
             <a:pPr lvl="1" eaLnBrk="1" latinLnBrk="0" hangingPunct="1"/>
@@ -1631,6 +1608,7 @@
               <a:rPr lang="zh-CN" altLang="en-US"/>
               <a:t>第二级</a:t>
             </a:r>
+            <a:endParaRPr lang="zh-CN" altLang="en-US"/>
           </a:p>
           <a:p>
             <a:pPr lvl="2" eaLnBrk="1" latinLnBrk="0" hangingPunct="1"/>
@@ -1638,6 +1616,7 @@
               <a:rPr lang="zh-CN" altLang="en-US"/>
               <a:t>第三级</a:t>
             </a:r>
+            <a:endParaRPr lang="zh-CN" altLang="en-US"/>
           </a:p>
           <a:p>
             <a:pPr lvl="3" eaLnBrk="1" latinLnBrk="0" hangingPunct="1"/>
@@ -1645,6 +1624,7 @@
               <a:rPr lang="zh-CN" altLang="en-US"/>
               <a:t>第四级</a:t>
             </a:r>
+            <a:endParaRPr lang="zh-CN" altLang="en-US"/>
           </a:p>
           <a:p>
             <a:pPr lvl="4" eaLnBrk="1" latinLnBrk="0" hangingPunct="1"/>
@@ -1681,6 +1661,7 @@
               <a:rPr lang="zh-CN" altLang="en-US"/>
               <a:t>单击此处编辑母版文本样式</a:t>
             </a:r>
+            <a:endParaRPr lang="zh-CN" altLang="en-US"/>
           </a:p>
           <a:p>
             <a:pPr lvl="1" eaLnBrk="1" latinLnBrk="0" hangingPunct="1"/>
@@ -1688,6 +1669,7 @@
               <a:rPr lang="zh-CN" altLang="en-US"/>
               <a:t>第二级</a:t>
             </a:r>
+            <a:endParaRPr lang="zh-CN" altLang="en-US"/>
           </a:p>
           <a:p>
             <a:pPr lvl="2" eaLnBrk="1" latinLnBrk="0" hangingPunct="1"/>
@@ -1695,6 +1677,7 @@
               <a:rPr lang="zh-CN" altLang="en-US"/>
               <a:t>第三级</a:t>
             </a:r>
+            <a:endParaRPr lang="zh-CN" altLang="en-US"/>
           </a:p>
           <a:p>
             <a:pPr lvl="3" eaLnBrk="1" latinLnBrk="0" hangingPunct="1"/>
@@ -1702,6 +1685,7 @@
               <a:rPr lang="zh-CN" altLang="en-US"/>
               <a:t>第四级</a:t>
             </a:r>
+            <a:endParaRPr lang="zh-CN" altLang="en-US"/>
           </a:p>
           <a:p>
             <a:pPr lvl="4" eaLnBrk="1" latinLnBrk="0" hangingPunct="1"/>
@@ -1714,11 +1698,6 @@
         </p:txBody>
       </p:sp>
     </p:spTree>
-    <p:extLst>
-      <p:ext uri="{BB962C8B-B14F-4D97-AF65-F5344CB8AC3E}">
-        <p14:creationId xmlns:p14="http://schemas.microsoft.com/office/powerpoint/2010/main" val="3538856020"/>
-      </p:ext>
-    </p:extLst>
   </p:cSld>
   <p:clrMapOvr>
     <a:masterClrMapping/>
@@ -1831,6 +1810,7 @@
               <a:rPr kumimoji="0" lang="zh-CN" altLang="en-US"/>
               <a:t>单击此处编辑母版文本样式</a:t>
             </a:r>
+            <a:endParaRPr kumimoji="0" lang="zh-CN" altLang="en-US"/>
           </a:p>
         </p:txBody>
       </p:sp>
@@ -1888,6 +1868,7 @@
               <a:rPr kumimoji="0" lang="zh-CN" altLang="en-US"/>
               <a:t>单击此处编辑母版文本样式</a:t>
             </a:r>
+            <a:endParaRPr kumimoji="0" lang="zh-CN" altLang="en-US"/>
           </a:p>
         </p:txBody>
       </p:sp>
@@ -1908,7 +1889,6 @@
           <a:p>
             <a:fld id="{BB7D2888-8C8F-4C2C-AA0A-D0307A3F1B58}" type="datetimeFigureOut">
               <a:rPr lang="zh-CN" altLang="en-US" smtClean="0"/>
-              <a:t>2024/7/9</a:t>
             </a:fld>
             <a:endParaRPr lang="zh-CN" altLang="en-US"/>
           </a:p>
@@ -1950,7 +1930,6 @@
           <a:p>
             <a:fld id="{6846DCD3-E8B7-40AC-B2BA-441C30453554}" type="slidenum">
               <a:rPr lang="zh-CN" altLang="en-US" smtClean="0"/>
-              <a:t>‹#›</a:t>
             </a:fld>
             <a:endParaRPr lang="zh-CN" altLang="en-US"/>
           </a:p>
@@ -1981,6 +1960,7 @@
               <a:rPr lang="zh-CN" altLang="en-US"/>
               <a:t>单击此处编辑母版文本样式</a:t>
             </a:r>
+            <a:endParaRPr lang="zh-CN" altLang="en-US"/>
           </a:p>
           <a:p>
             <a:pPr lvl="1" eaLnBrk="1" latinLnBrk="0" hangingPunct="1"/>
@@ -1988,6 +1968,7 @@
               <a:rPr lang="zh-CN" altLang="en-US"/>
               <a:t>第二级</a:t>
             </a:r>
+            <a:endParaRPr lang="zh-CN" altLang="en-US"/>
           </a:p>
           <a:p>
             <a:pPr lvl="2" eaLnBrk="1" latinLnBrk="0" hangingPunct="1"/>
@@ -1995,6 +1976,7 @@
               <a:rPr lang="zh-CN" altLang="en-US"/>
               <a:t>第三级</a:t>
             </a:r>
+            <a:endParaRPr lang="zh-CN" altLang="en-US"/>
           </a:p>
           <a:p>
             <a:pPr lvl="3" eaLnBrk="1" latinLnBrk="0" hangingPunct="1"/>
@@ -2002,6 +1984,7 @@
               <a:rPr lang="zh-CN" altLang="en-US"/>
               <a:t>第四级</a:t>
             </a:r>
+            <a:endParaRPr lang="zh-CN" altLang="en-US"/>
           </a:p>
           <a:p>
             <a:pPr lvl="4" eaLnBrk="1" latinLnBrk="0" hangingPunct="1"/>
@@ -2038,6 +2021,7 @@
               <a:rPr lang="zh-CN" altLang="en-US"/>
               <a:t>单击此处编辑母版文本样式</a:t>
             </a:r>
+            <a:endParaRPr lang="zh-CN" altLang="en-US"/>
           </a:p>
           <a:p>
             <a:pPr lvl="1" eaLnBrk="1" latinLnBrk="0" hangingPunct="1"/>
@@ -2045,6 +2029,7 @@
               <a:rPr lang="zh-CN" altLang="en-US"/>
               <a:t>第二级</a:t>
             </a:r>
+            <a:endParaRPr lang="zh-CN" altLang="en-US"/>
           </a:p>
           <a:p>
             <a:pPr lvl="2" eaLnBrk="1" latinLnBrk="0" hangingPunct="1"/>
@@ -2052,6 +2037,7 @@
               <a:rPr lang="zh-CN" altLang="en-US"/>
               <a:t>第三级</a:t>
             </a:r>
+            <a:endParaRPr lang="zh-CN" altLang="en-US"/>
           </a:p>
           <a:p>
             <a:pPr lvl="3" eaLnBrk="1" latinLnBrk="0" hangingPunct="1"/>
@@ -2059,6 +2045,7 @@
               <a:rPr lang="zh-CN" altLang="en-US"/>
               <a:t>第四级</a:t>
             </a:r>
+            <a:endParaRPr lang="zh-CN" altLang="en-US"/>
           </a:p>
           <a:p>
             <a:pPr lvl="4" eaLnBrk="1" latinLnBrk="0" hangingPunct="1"/>
@@ -2071,11 +2058,6 @@
         </p:txBody>
       </p:sp>
     </p:spTree>
-    <p:extLst>
-      <p:ext uri="{BB962C8B-B14F-4D97-AF65-F5344CB8AC3E}">
-        <p14:creationId xmlns:p14="http://schemas.microsoft.com/office/powerpoint/2010/main" val="1379133320"/>
-      </p:ext>
-    </p:extLst>
   </p:cSld>
   <p:clrMapOvr>
     <a:masterClrMapping/>
@@ -2145,7 +2127,6 @@
           <a:p>
             <a:fld id="{BB7D2888-8C8F-4C2C-AA0A-D0307A3F1B58}" type="datetimeFigureOut">
               <a:rPr lang="zh-CN" altLang="en-US" smtClean="0"/>
-              <a:t>2024/7/9</a:t>
             </a:fld>
             <a:endParaRPr lang="zh-CN" altLang="en-US"/>
           </a:p>
@@ -2187,7 +2168,6 @@
           <a:p>
             <a:fld id="{6846DCD3-E8B7-40AC-B2BA-441C30453554}" type="slidenum">
               <a:rPr lang="zh-CN" altLang="en-US" smtClean="0"/>
-              <a:t>‹#›</a:t>
             </a:fld>
             <a:endParaRPr lang="zh-CN" altLang="en-US"/>
           </a:p>
@@ -2244,11 +2224,6 @@
         </p:txBody>
       </p:sp>
     </p:spTree>
-    <p:extLst>
-      <p:ext uri="{BB962C8B-B14F-4D97-AF65-F5344CB8AC3E}">
-        <p14:creationId xmlns:p14="http://schemas.microsoft.com/office/powerpoint/2010/main" val="2984652432"/>
-      </p:ext>
-    </p:extLst>
   </p:cSld>
   <p:clrMapOvr>
     <a:masterClrMapping/>
@@ -2257,7 +2232,7 @@
 </file>
 
 <file path=ppt/slideLayouts/slideLayout7.xml><?xml version="1.0" encoding="utf-8"?>
-<p:sldLayout xmlns:a="http://schemas.openxmlformats.org/drawingml/2006/main" xmlns:r="http://schemas.openxmlformats.org/officeDocument/2006/relationships" xmlns:p="http://schemas.openxmlformats.org/presentationml/2006/main" showMasterSp="0" type="blank" preserve="1">
+<p:sldLayout xmlns:a="http://schemas.openxmlformats.org/drawingml/2006/main" xmlns:r="http://schemas.openxmlformats.org/officeDocument/2006/relationships" xmlns:p="http://schemas.openxmlformats.org/presentationml/2006/main" type="blank" preserve="1" showMasterSp="0">
   <p:cSld name="空白">
     <p:spTree>
       <p:nvGrpSpPr>
@@ -2290,7 +2265,6 @@
           <a:p>
             <a:fld id="{BB7D2888-8C8F-4C2C-AA0A-D0307A3F1B58}" type="datetimeFigureOut">
               <a:rPr lang="zh-CN" altLang="en-US" smtClean="0"/>
-              <a:t>2024/7/9</a:t>
             </a:fld>
             <a:endParaRPr lang="zh-CN" altLang="en-US"/>
           </a:p>
@@ -2332,7 +2306,6 @@
           <a:p>
             <a:fld id="{6846DCD3-E8B7-40AC-B2BA-441C30453554}" type="slidenum">
               <a:rPr lang="zh-CN" altLang="en-US" smtClean="0"/>
-              <a:t>‹#›</a:t>
             </a:fld>
             <a:endParaRPr lang="zh-CN" altLang="en-US"/>
           </a:p>
@@ -2425,11 +2398,6 @@
         </p:txBody>
       </p:sp>
     </p:spTree>
-    <p:extLst>
-      <p:ext uri="{BB962C8B-B14F-4D97-AF65-F5344CB8AC3E}">
-        <p14:creationId xmlns:p14="http://schemas.microsoft.com/office/powerpoint/2010/main" val="2646452337"/>
-      </p:ext>
-    </p:extLst>
   </p:cSld>
   <p:clrMapOvr>
     <a:masterClrMapping/>
@@ -2438,7 +2406,7 @@
 </file>
 
 <file path=ppt/slideLayouts/slideLayout8.xml><?xml version="1.0" encoding="utf-8"?>
-<p:sldLayout xmlns:a="http://schemas.openxmlformats.org/drawingml/2006/main" xmlns:r="http://schemas.openxmlformats.org/officeDocument/2006/relationships" xmlns:p="http://schemas.openxmlformats.org/presentationml/2006/main" showMasterSp="0" type="objTx" preserve="1">
+<p:sldLayout xmlns:a="http://schemas.openxmlformats.org/drawingml/2006/main" xmlns:r="http://schemas.openxmlformats.org/officeDocument/2006/relationships" xmlns:p="http://schemas.openxmlformats.org/presentationml/2006/main" type="objTx" preserve="1" showMasterSp="0">
   <p:cSld name="内容与标题">
     <p:spTree>
       <p:nvGrpSpPr>
@@ -2552,6 +2520,7 @@
               <a:rPr kumimoji="0" lang="zh-CN" altLang="en-US"/>
               <a:t>单击此处编辑母版文本样式</a:t>
             </a:r>
+            <a:endParaRPr kumimoji="0" lang="zh-CN" altLang="en-US"/>
           </a:p>
         </p:txBody>
       </p:sp>
@@ -2572,7 +2541,6 @@
           <a:p>
             <a:fld id="{BB7D2888-8C8F-4C2C-AA0A-D0307A3F1B58}" type="datetimeFigureOut">
               <a:rPr lang="zh-CN" altLang="en-US" smtClean="0"/>
-              <a:t>2024/7/9</a:t>
             </a:fld>
             <a:endParaRPr lang="zh-CN" altLang="en-US"/>
           </a:p>
@@ -2614,7 +2582,6 @@
           <a:p>
             <a:fld id="{6846DCD3-E8B7-40AC-B2BA-441C30453554}" type="slidenum">
               <a:rPr lang="zh-CN" altLang="en-US" smtClean="0"/>
-              <a:t>‹#›</a:t>
             </a:fld>
             <a:endParaRPr lang="zh-CN" altLang="en-US"/>
           </a:p>
@@ -2767,6 +2734,7 @@
               <a:rPr lang="zh-CN" altLang="en-US"/>
               <a:t>单击此处编辑母版文本样式</a:t>
             </a:r>
+            <a:endParaRPr lang="zh-CN" altLang="en-US"/>
           </a:p>
           <a:p>
             <a:pPr lvl="1" eaLnBrk="1" latinLnBrk="0" hangingPunct="1"/>
@@ -2774,6 +2742,7 @@
               <a:rPr lang="zh-CN" altLang="en-US"/>
               <a:t>第二级</a:t>
             </a:r>
+            <a:endParaRPr lang="zh-CN" altLang="en-US"/>
           </a:p>
           <a:p>
             <a:pPr lvl="2" eaLnBrk="1" latinLnBrk="0" hangingPunct="1"/>
@@ -2781,6 +2750,7 @@
               <a:rPr lang="zh-CN" altLang="en-US"/>
               <a:t>第三级</a:t>
             </a:r>
+            <a:endParaRPr lang="zh-CN" altLang="en-US"/>
           </a:p>
           <a:p>
             <a:pPr lvl="3" eaLnBrk="1" latinLnBrk="0" hangingPunct="1"/>
@@ -2788,6 +2758,7 @@
               <a:rPr lang="zh-CN" altLang="en-US"/>
               <a:t>第四级</a:t>
             </a:r>
+            <a:endParaRPr lang="zh-CN" altLang="en-US"/>
           </a:p>
           <a:p>
             <a:pPr lvl="4" eaLnBrk="1" latinLnBrk="0" hangingPunct="1"/>
@@ -2800,11 +2771,6 @@
         </p:txBody>
       </p:sp>
     </p:spTree>
-    <p:extLst>
-      <p:ext uri="{BB962C8B-B14F-4D97-AF65-F5344CB8AC3E}">
-        <p14:creationId xmlns:p14="http://schemas.microsoft.com/office/powerpoint/2010/main" val="1187232414"/>
-      </p:ext>
-    </p:extLst>
   </p:cSld>
   <p:clrMapOvr>
     <a:masterClrMapping/>
@@ -2813,7 +2779,7 @@
 </file>
 
 <file path=ppt/slideLayouts/slideLayout9.xml><?xml version="1.0" encoding="utf-8"?>
-<p:sldLayout xmlns:a="http://schemas.openxmlformats.org/drawingml/2006/main" xmlns:r="http://schemas.openxmlformats.org/officeDocument/2006/relationships" xmlns:p="http://schemas.openxmlformats.org/presentationml/2006/main" showMasterSp="0" type="picTx" preserve="1">
+<p:sldLayout xmlns:a="http://schemas.openxmlformats.org/drawingml/2006/main" xmlns:r="http://schemas.openxmlformats.org/officeDocument/2006/relationships" xmlns:p="http://schemas.openxmlformats.org/presentationml/2006/main" type="picTx" preserve="1" showMasterSp="0">
   <p:cSld name="图片与标题">
     <p:bg>
       <p:bgRef idx="1001">
@@ -2964,6 +2930,7 @@
               <a:rPr kumimoji="0" lang="zh-CN" altLang="en-US"/>
               <a:t>单击此处编辑母版文本样式</a:t>
             </a:r>
+            <a:endParaRPr kumimoji="0" lang="zh-CN" altLang="en-US"/>
           </a:p>
         </p:txBody>
       </p:sp>
@@ -2984,7 +2951,6 @@
           <a:p>
             <a:fld id="{BB7D2888-8C8F-4C2C-AA0A-D0307A3F1B58}" type="datetimeFigureOut">
               <a:rPr lang="zh-CN" altLang="en-US" smtClean="0"/>
-              <a:t>2024/7/9</a:t>
             </a:fld>
             <a:endParaRPr lang="zh-CN" altLang="en-US"/>
           </a:p>
@@ -3026,7 +2992,6 @@
           <a:p>
             <a:fld id="{6846DCD3-E8B7-40AC-B2BA-441C30453554}" type="slidenum">
               <a:rPr lang="zh-CN" altLang="en-US" smtClean="0"/>
-              <a:t>‹#›</a:t>
             </a:fld>
             <a:endParaRPr lang="zh-CN" altLang="en-US"/>
           </a:p>
@@ -3165,11 +3130,6 @@
         </p:txBody>
       </p:sp>
     </p:spTree>
-    <p:extLst>
-      <p:ext uri="{BB962C8B-B14F-4D97-AF65-F5344CB8AC3E}">
-        <p14:creationId xmlns:p14="http://schemas.microsoft.com/office/powerpoint/2010/main" val="1746447243"/>
-      </p:ext>
-    </p:extLst>
   </p:cSld>
   <p:clrMapOvr>
     <a:overrideClrMapping bg1="dk1" tx1="lt1" bg2="dk2" tx2="lt2" accent1="accent1" accent2="accent2" accent3="accent3" accent4="accent4" accent5="accent5" accent6="accent6" hlink="hlink" folHlink="folHlink"/>
@@ -3262,6 +3222,7 @@
               <a:rPr kumimoji="0" lang="zh-CN" altLang="en-US"/>
               <a:t>单击此处编辑母版文本样式</a:t>
             </a:r>
+            <a:endParaRPr kumimoji="0" lang="zh-CN" altLang="en-US"/>
           </a:p>
           <a:p>
             <a:pPr lvl="1" eaLnBrk="1" latinLnBrk="0" hangingPunct="1"/>
@@ -3269,6 +3230,7 @@
               <a:rPr kumimoji="0" lang="zh-CN" altLang="en-US"/>
               <a:t>第二级</a:t>
             </a:r>
+            <a:endParaRPr kumimoji="0" lang="zh-CN" altLang="en-US"/>
           </a:p>
           <a:p>
             <a:pPr lvl="2" eaLnBrk="1" latinLnBrk="0" hangingPunct="1"/>
@@ -3276,6 +3238,7 @@
               <a:rPr kumimoji="0" lang="zh-CN" altLang="en-US"/>
               <a:t>第三级</a:t>
             </a:r>
+            <a:endParaRPr kumimoji="0" lang="zh-CN" altLang="en-US"/>
           </a:p>
           <a:p>
             <a:pPr lvl="3" eaLnBrk="1" latinLnBrk="0" hangingPunct="1"/>
@@ -3283,6 +3246,7 @@
               <a:rPr kumimoji="0" lang="zh-CN" altLang="en-US"/>
               <a:t>第四级</a:t>
             </a:r>
+            <a:endParaRPr kumimoji="0" lang="zh-CN" altLang="en-US"/>
           </a:p>
           <a:p>
             <a:pPr lvl="4" eaLnBrk="1" latinLnBrk="0" hangingPunct="1"/>
@@ -3327,7 +3291,6 @@
           <a:p>
             <a:fld id="{BB7D2888-8C8F-4C2C-AA0A-D0307A3F1B58}" type="datetimeFigureOut">
               <a:rPr lang="zh-CN" altLang="en-US" smtClean="0"/>
-              <a:t>2024/7/9</a:t>
             </a:fld>
             <a:endParaRPr lang="zh-CN" altLang="en-US"/>
           </a:p>
@@ -3401,7 +3364,6 @@
           <a:p>
             <a:fld id="{6846DCD3-E8B7-40AC-B2BA-441C30453554}" type="slidenum">
               <a:rPr lang="zh-CN" altLang="en-US" smtClean="0"/>
-              <a:t>‹#›</a:t>
             </a:fld>
             <a:endParaRPr lang="zh-CN" altLang="en-US"/>
           </a:p>
@@ -3530,25 +3492,20 @@
         </p:txBody>
       </p:sp>
     </p:spTree>
-    <p:extLst>
-      <p:ext uri="{BB962C8B-B14F-4D97-AF65-F5344CB8AC3E}">
-        <p14:creationId xmlns:p14="http://schemas.microsoft.com/office/powerpoint/2010/main" val="1787030407"/>
-      </p:ext>
-    </p:extLst>
   </p:cSld>
   <p:clrMap bg1="lt1" tx1="dk1" bg2="lt2" tx2="dk2" accent1="accent1" accent2="accent2" accent3="accent3" accent4="accent4" accent5="accent5" accent6="accent6" hlink="hlink" folHlink="folHlink"/>
   <p:sldLayoutIdLst>
-    <p:sldLayoutId id="2147483661" r:id="rId1"/>
-    <p:sldLayoutId id="2147483662" r:id="rId2"/>
-    <p:sldLayoutId id="2147483663" r:id="rId3"/>
-    <p:sldLayoutId id="2147483664" r:id="rId4"/>
-    <p:sldLayoutId id="2147483665" r:id="rId5"/>
-    <p:sldLayoutId id="2147483666" r:id="rId6"/>
-    <p:sldLayoutId id="2147483667" r:id="rId7"/>
-    <p:sldLayoutId id="2147483668" r:id="rId8"/>
-    <p:sldLayoutId id="2147483669" r:id="rId9"/>
-    <p:sldLayoutId id="2147483670" r:id="rId10"/>
-    <p:sldLayoutId id="2147483671" r:id="rId11"/>
+    <p:sldLayoutId id="2147483649" r:id="rId1"/>
+    <p:sldLayoutId id="2147483650" r:id="rId2"/>
+    <p:sldLayoutId id="2147483651" r:id="rId3"/>
+    <p:sldLayoutId id="2147483652" r:id="rId4"/>
+    <p:sldLayoutId id="2147483653" r:id="rId5"/>
+    <p:sldLayoutId id="2147483654" r:id="rId6"/>
+    <p:sldLayoutId id="2147483655" r:id="rId7"/>
+    <p:sldLayoutId id="2147483656" r:id="rId8"/>
+    <p:sldLayoutId id="2147483657" r:id="rId9"/>
+    <p:sldLayoutId id="2147483658" r:id="rId10"/>
+    <p:sldLayoutId id="2147483659" r:id="rId11"/>
   </p:sldLayoutIdLst>
   <p:txStyles>
     <p:titleStyle>
@@ -3576,7 +3533,7 @@
           <a:schemeClr val="accent1"/>
         </a:buClr>
         <a:buSzPct val="76000"/>
-        <a:buFont typeface="Wingdings 3"/>
+        <a:buFont typeface="Wingdings 3" panose="05040102010807070707"/>
         <a:buChar char=""/>
         <a:defRPr kumimoji="0" sz="2600" kern="1200">
           <a:solidFill>
@@ -3595,7 +3552,7 @@
           <a:schemeClr val="accent2"/>
         </a:buClr>
         <a:buSzPct val="76000"/>
-        <a:buFont typeface="Wingdings 3"/>
+        <a:buFont typeface="Wingdings 3" panose="05040102010807070707"/>
         <a:buChar char=""/>
         <a:defRPr kumimoji="0" sz="2300" kern="1200">
           <a:solidFill>
@@ -3616,7 +3573,7 @@
           </a:schemeClr>
         </a:buClr>
         <a:buSzPct val="76000"/>
-        <a:buFont typeface="Wingdings 3"/>
+        <a:buFont typeface="Wingdings 3" panose="05040102010807070707"/>
         <a:buChar char=""/>
         <a:defRPr kumimoji="0" sz="2000" kern="1200">
           <a:solidFill>
@@ -3637,7 +3594,7 @@
           </a:schemeClr>
         </a:buClr>
         <a:buSzPct val="70000"/>
-        <a:buFont typeface="Wingdings"/>
+        <a:buFont typeface="Wingdings" panose="05000000000000000000"/>
         <a:buChar char=""/>
         <a:defRPr kumimoji="0" sz="1800" kern="1200">
           <a:solidFill>
@@ -3656,7 +3613,7 @@
           <a:schemeClr val="accent2"/>
         </a:buClr>
         <a:buSzPct val="70000"/>
-        <a:buFont typeface="Wingdings"/>
+        <a:buFont typeface="Wingdings" panose="05000000000000000000"/>
         <a:buChar char=""/>
         <a:defRPr kumimoji="0" sz="1600" kern="1200">
           <a:solidFill>
@@ -3677,7 +3634,7 @@
           </a:srgbClr>
         </a:buClr>
         <a:buSzPct val="75000"/>
-        <a:buFont typeface="Wingdings 3"/>
+        <a:buFont typeface="Wingdings 3" panose="05040102010807070707"/>
         <a:buChar char=""/>
         <a:defRPr kumimoji="0" lang="en-US" sz="1600" kern="1200" smtClean="0">
           <a:solidFill>
@@ -3698,7 +3655,7 @@
           </a:srgbClr>
         </a:buClr>
         <a:buSzPct val="75000"/>
-        <a:buFont typeface="Wingdings 3"/>
+        <a:buFont typeface="Wingdings 3" panose="05040102010807070707"/>
         <a:buChar char=""/>
         <a:defRPr kumimoji="0" lang="en-US" sz="1400" kern="1200" smtClean="0">
           <a:solidFill>
@@ -3719,7 +3676,7 @@
           </a:prstClr>
         </a:buClr>
         <a:buSzPct val="75000"/>
-        <a:buFont typeface="Wingdings 3"/>
+        <a:buFont typeface="Wingdings 3" panose="05040102010807070707"/>
         <a:buChar char=""/>
         <a:defRPr kumimoji="0" lang="en-US" sz="1400" kern="1200" smtClean="0">
           <a:solidFill>
@@ -3738,7 +3695,7 @@
           <a:srgbClr val="9FB8CD"/>
         </a:buClr>
         <a:buSzPct val="75000"/>
-        <a:buFont typeface="Wingdings 3"/>
+        <a:buFont typeface="Wingdings 3" panose="05040102010807070707"/>
         <a:buChar char=""/>
         <a:defRPr kumimoji="0" lang="en-US" sz="1200" kern="1200" smtClean="0">
           <a:solidFill>
@@ -3883,7 +3840,7 @@
                 <a:latin typeface="+mn-ea"/>
                 <a:ea typeface="+mn-ea"/>
               </a:rPr>
-              <a:t>线性</a:t>
+              <a:t>线性区间</a:t>
             </a:r>
             <a:r>
               <a:rPr lang="en-US" altLang="zh-CN">
@@ -3892,20 +3849,6 @@
               </a:rPr>
               <a:t>dp</a:t>
             </a:r>
-            <a:r>
-              <a:rPr lang="zh-CN" altLang="en-US">
-                <a:latin typeface="+mn-ea"/>
-                <a:ea typeface="+mn-ea"/>
-              </a:rPr>
-              <a:t>与区间</a:t>
-            </a:r>
-            <a:r>
-              <a:rPr lang="en-US" altLang="zh-CN">
-                <a:latin typeface="+mn-ea"/>
-                <a:ea typeface="+mn-ea"/>
-              </a:rPr>
-              <a:t>dp</a:t>
-            </a:r>
             <a:endParaRPr lang="zh-CN" altLang="en-US" dirty="0">
               <a:latin typeface="+mn-ea"/>
               <a:ea typeface="+mn-ea"/>
@@ -3943,11 +3886,6 @@
         </p:txBody>
       </p:sp>
     </p:spTree>
-    <p:extLst>
-      <p:ext uri="{BB962C8B-B14F-4D97-AF65-F5344CB8AC3E}">
-        <p14:creationId xmlns:p14="http://schemas.microsoft.com/office/powerpoint/2010/main" val="3267505267"/>
-      </p:ext>
-    </p:extLst>
   </p:cSld>
   <p:clrMapOvr>
     <a:masterClrMapping/>
@@ -4049,11 +3987,6 @@
         </p:txBody>
       </p:sp>
     </p:spTree>
-    <p:extLst>
-      <p:ext uri="{BB962C8B-B14F-4D97-AF65-F5344CB8AC3E}">
-        <p14:creationId xmlns:p14="http://schemas.microsoft.com/office/powerpoint/2010/main" val="2693331936"/>
-      </p:ext>
-    </p:extLst>
   </p:cSld>
   <p:clrMapOvr>
     <a:masterClrMapping/>
@@ -4454,20 +4387,14 @@
       </p:sp>
       <p:pic>
         <p:nvPicPr>
-          <p:cNvPr id="5" name="图片 4">
-            <a:extLst>
-              <a:ext uri="{FF2B5EF4-FFF2-40B4-BE49-F238E27FC236}">
-                <a16:creationId xmlns:a16="http://schemas.microsoft.com/office/drawing/2014/main" id="{AC372809-8276-25E7-EA59-C935B8D5E324}"/>
-              </a:ext>
-            </a:extLst>
-          </p:cNvPr>
+          <p:cNvPr id="5" name="图片 4"/>
           <p:cNvPicPr>
             <a:picLocks noChangeAspect="1"/>
           </p:cNvPicPr>
           <p:nvPr/>
         </p:nvPicPr>
         <p:blipFill>
-          <a:blip r:embed="rId2"/>
+          <a:blip r:embed="rId1"/>
           <a:stretch>
             <a:fillRect/>
           </a:stretch>
@@ -4483,11 +4410,6 @@
         </p:spPr>
       </p:pic>
     </p:spTree>
-    <p:extLst>
-      <p:ext uri="{BB962C8B-B14F-4D97-AF65-F5344CB8AC3E}">
-        <p14:creationId xmlns:p14="http://schemas.microsoft.com/office/powerpoint/2010/main" val="1006399662"/>
-      </p:ext>
-    </p:extLst>
   </p:cSld>
   <p:clrMapOvr>
     <a:masterClrMapping/>
@@ -4954,6 +4876,12 @@
 </p:sld>
 </file>
 
+<file path=ppt/tags/tag1.xml><?xml version="1.0" encoding="utf-8"?>
+<p:tagLst xmlns:p="http://schemas.openxmlformats.org/presentationml/2006/main">
+  <p:tag name="commondata" val="eyJoZGlkIjoiNjZiZjdkMThlNTY5ZTJkZTkyYmMyYTc1MTQyNmIwODAifQ=="/>
+</p:tagLst>
+</file>
+
 <file path=ppt/theme/theme1.xml><?xml version="1.0" encoding="utf-8"?>
 <a:theme xmlns:a="http://schemas.openxmlformats.org/drawingml/2006/main" name="主题1">
   <a:themeElements>
@@ -5281,11 +5209,9 @@
       </a:bgFillStyleLst>
     </a:fmtScheme>
   </a:themeElements>
-  <a:objectDefaults/>
-  <a:extraClrSchemeLst/>
   <a:extLst>
     <a:ext uri="{05A4C25C-085E-4340-85A3-A5531E510DB2}">
-      <thm15:themeFamily xmlns:thm15="http://schemas.microsoft.com/office/thememl/2012/main" name="主题1" id="{0F6578EE-EA9D-4485-A6ED-A19452A54D44}" vid="{BB56E80B-FAA9-42BD-9C7F-61A95342C87C}"/>
+      <thm15:themeFamily xmlns:thm15="http://schemas.microsoft.com/office/thememl/2012/main" name="Office Theme" id="{62F939B6-93AF-4DB8-9C6B-D6C7DFDC589F}" vid="{4A3C46E8-61CC-4603-A589-7422A47A8E4A}"/>
     </a:ext>
   </a:extLst>
 </a:theme>
